--- a/WBS-43K22T02.pptx
+++ b/WBS-43K22T02.pptx
@@ -18882,6 +18882,50 @@
           </a:graphicData>
         </a:graphic>
       </p:graphicFrame>
+      <p:sp>
+        <p:nvSpPr>
+          <p:cNvPr id="5" name="Rectangle 4"/>
+          <p:cNvSpPr/>
+          <p:nvPr/>
+        </p:nvSpPr>
+        <p:spPr>
+          <a:xfrm>
+            <a:off x="0" y="254000"/>
+            <a:ext cx="2042160" cy="914400"/>
+          </a:xfrm>
+          <a:prstGeom prst="rect">
+            <a:avLst/>
+          </a:prstGeom>
+        </p:spPr>
+        <p:style>
+          <a:lnRef idx="2">
+            <a:schemeClr val="accent1">
+              <a:shade val="50000"/>
+            </a:schemeClr>
+          </a:lnRef>
+          <a:fillRef idx="1">
+            <a:schemeClr val="accent1"/>
+          </a:fillRef>
+          <a:effectRef idx="0">
+            <a:schemeClr val="accent1"/>
+          </a:effectRef>
+          <a:fontRef idx="minor">
+            <a:schemeClr val="lt1"/>
+          </a:fontRef>
+        </p:style>
+        <p:txBody>
+          <a:bodyPr rtlCol="0" anchor="ctr"/>
+          <a:lstStyle/>
+          <a:p>
+            <a:pPr algn="ctr"/>
+            <a:r>
+              <a:rPr lang="en-US" smtClean="0"/>
+              <a:t>Product oriented</a:t>
+            </a:r>
+            <a:endParaRPr lang="en-US"/>
+          </a:p>
+        </p:txBody>
+      </p:sp>
     </p:spTree>
     <p:extLst>
       <p:ext uri="{BB962C8B-B14F-4D97-AF65-F5344CB8AC3E}">
@@ -18941,6 +18985,50 @@
           </a:graphicData>
         </a:graphic>
       </p:graphicFrame>
+      <p:sp>
+        <p:nvSpPr>
+          <p:cNvPr id="3" name="Rectangle 2"/>
+          <p:cNvSpPr/>
+          <p:nvPr/>
+        </p:nvSpPr>
+        <p:spPr>
+          <a:xfrm>
+            <a:off x="0" y="254000"/>
+            <a:ext cx="2042160" cy="914400"/>
+          </a:xfrm>
+          <a:prstGeom prst="rect">
+            <a:avLst/>
+          </a:prstGeom>
+        </p:spPr>
+        <p:style>
+          <a:lnRef idx="2">
+            <a:schemeClr val="accent1">
+              <a:shade val="50000"/>
+            </a:schemeClr>
+          </a:lnRef>
+          <a:fillRef idx="1">
+            <a:schemeClr val="accent1"/>
+          </a:fillRef>
+          <a:effectRef idx="0">
+            <a:schemeClr val="accent1"/>
+          </a:effectRef>
+          <a:fontRef idx="minor">
+            <a:schemeClr val="lt1"/>
+          </a:fontRef>
+        </p:style>
+        <p:txBody>
+          <a:bodyPr rtlCol="0" anchor="ctr"/>
+          <a:lstStyle/>
+          <a:p>
+            <a:pPr algn="ctr"/>
+            <a:r>
+              <a:rPr lang="en-US" smtClean="0"/>
+              <a:t>Process oriented</a:t>
+            </a:r>
+            <a:endParaRPr lang="en-US"/>
+          </a:p>
+        </p:txBody>
+      </p:sp>
     </p:spTree>
     <p:extLst>
       <p:ext uri="{BB962C8B-B14F-4D97-AF65-F5344CB8AC3E}">
